--- a/doc/diagrams/dataTransferClasses.pptx
+++ b/doc/diagrams/dataTransferClasses.pptx
@@ -104,6 +104,22 @@
       </a:defRPr>
     </a:lvl9pPr>
   </p:defaultTextStyle>
+  <p:extLst>
+    <p:ext uri="{EFAFB233-063F-42B5-8137-9DF3F51BA10A}">
+      <p15:sldGuideLst xmlns:p15="http://schemas.microsoft.com/office/powerpoint/2012/main">
+        <p15:guide id="1" orient="horz" pos="1152">
+          <p15:clr>
+            <a:srgbClr val="A4A3A4"/>
+          </p15:clr>
+        </p15:guide>
+        <p15:guide id="2" pos="2880">
+          <p15:clr>
+            <a:srgbClr val="A4A3A4"/>
+          </p15:clr>
+        </p15:guide>
+      </p15:sldGuideLst>
+    </p:ext>
+  </p:extLst>
 </p:presentation>
 </file>
 
@@ -289,7 +305,7 @@
             <a:fld id="{1D8BD707-D9CF-40AE-B4C6-C98DA3205C09}" type="datetimeFigureOut">
               <a:rPr lang="en-US" smtClean="0"/>
               <a:pPr/>
-              <a:t>7/6/2013</a:t>
+              <a:t>3/22/2016</a:t>
             </a:fld>
             <a:endParaRPr lang="en-US"/>
           </a:p>
@@ -456,7 +472,7 @@
             <a:fld id="{1D8BD707-D9CF-40AE-B4C6-C98DA3205C09}" type="datetimeFigureOut">
               <a:rPr lang="en-US" smtClean="0"/>
               <a:pPr/>
-              <a:t>7/6/2013</a:t>
+              <a:t>3/22/2016</a:t>
             </a:fld>
             <a:endParaRPr lang="en-US"/>
           </a:p>
@@ -633,7 +649,7 @@
             <a:fld id="{1D8BD707-D9CF-40AE-B4C6-C98DA3205C09}" type="datetimeFigureOut">
               <a:rPr lang="en-US" smtClean="0"/>
               <a:pPr/>
-              <a:t>7/6/2013</a:t>
+              <a:t>3/22/2016</a:t>
             </a:fld>
             <a:endParaRPr lang="en-US"/>
           </a:p>
@@ -800,7 +816,7 @@
             <a:fld id="{1D8BD707-D9CF-40AE-B4C6-C98DA3205C09}" type="datetimeFigureOut">
               <a:rPr lang="en-US" smtClean="0"/>
               <a:pPr/>
-              <a:t>7/6/2013</a:t>
+              <a:t>3/22/2016</a:t>
             </a:fld>
             <a:endParaRPr lang="en-US"/>
           </a:p>
@@ -1043,7 +1059,7 @@
             <a:fld id="{1D8BD707-D9CF-40AE-B4C6-C98DA3205C09}" type="datetimeFigureOut">
               <a:rPr lang="en-US" smtClean="0"/>
               <a:pPr/>
-              <a:t>7/6/2013</a:t>
+              <a:t>3/22/2016</a:t>
             </a:fld>
             <a:endParaRPr lang="en-US"/>
           </a:p>
@@ -1328,7 +1344,7 @@
             <a:fld id="{1D8BD707-D9CF-40AE-B4C6-C98DA3205C09}" type="datetimeFigureOut">
               <a:rPr lang="en-US" smtClean="0"/>
               <a:pPr/>
-              <a:t>7/6/2013</a:t>
+              <a:t>3/22/2016</a:t>
             </a:fld>
             <a:endParaRPr lang="en-US"/>
           </a:p>
@@ -1747,7 +1763,7 @@
             <a:fld id="{1D8BD707-D9CF-40AE-B4C6-C98DA3205C09}" type="datetimeFigureOut">
               <a:rPr lang="en-US" smtClean="0"/>
               <a:pPr/>
-              <a:t>7/6/2013</a:t>
+              <a:t>3/22/2016</a:t>
             </a:fld>
             <a:endParaRPr lang="en-US"/>
           </a:p>
@@ -1862,7 +1878,7 @@
             <a:fld id="{1D8BD707-D9CF-40AE-B4C6-C98DA3205C09}" type="datetimeFigureOut">
               <a:rPr lang="en-US" smtClean="0"/>
               <a:pPr/>
-              <a:t>7/6/2013</a:t>
+              <a:t>3/22/2016</a:t>
             </a:fld>
             <a:endParaRPr lang="en-US"/>
           </a:p>
@@ -1954,7 +1970,7 @@
             <a:fld id="{1D8BD707-D9CF-40AE-B4C6-C98DA3205C09}" type="datetimeFigureOut">
               <a:rPr lang="en-US" smtClean="0"/>
               <a:pPr/>
-              <a:t>7/6/2013</a:t>
+              <a:t>3/22/2016</a:t>
             </a:fld>
             <a:endParaRPr lang="en-US"/>
           </a:p>
@@ -2228,7 +2244,7 @@
             <a:fld id="{1D8BD707-D9CF-40AE-B4C6-C98DA3205C09}" type="datetimeFigureOut">
               <a:rPr lang="en-US" smtClean="0"/>
               <a:pPr/>
-              <a:t>7/6/2013</a:t>
+              <a:t>3/22/2016</a:t>
             </a:fld>
             <a:endParaRPr lang="en-US"/>
           </a:p>
@@ -2478,7 +2494,7 @@
             <a:fld id="{1D8BD707-D9CF-40AE-B4C6-C98DA3205C09}" type="datetimeFigureOut">
               <a:rPr lang="en-US" smtClean="0"/>
               <a:pPr/>
-              <a:t>7/6/2013</a:t>
+              <a:t>3/22/2016</a:t>
             </a:fld>
             <a:endParaRPr lang="en-US"/>
           </a:p>
@@ -2688,7 +2704,7 @@
             <a:fld id="{1D8BD707-D9CF-40AE-B4C6-C98DA3205C09}" type="datetimeFigureOut">
               <a:rPr lang="en-US" smtClean="0"/>
               <a:pPr/>
-              <a:t>7/6/2013</a:t>
+              <a:t>3/22/2016</a:t>
             </a:fld>
             <a:endParaRPr lang="en-US"/>
           </a:p>
@@ -3185,7 +3201,7 @@
             <a:pPr algn="ctr"/>
             <a:r>
               <a:rPr lang="en-US" sz="1600" b="1" dirty="0" err="1" smtClean="0"/>
-              <a:t>EvaluationAttributes</a:t>
+              <a:t>CommentAttributes</a:t>
             </a:r>
             <a:endParaRPr lang="en-SG" sz="1600" b="1" dirty="0"/>
           </a:p>
@@ -3229,7 +3245,7 @@
             <a:pPr algn="ctr"/>
             <a:r>
               <a:rPr lang="en-US" sz="1600" b="1" dirty="0" smtClean="0"/>
-              <a:t>………………Attributes</a:t>
+              <a:t>*Attributes</a:t>
             </a:r>
             <a:endParaRPr lang="en-SG" sz="1600" b="1" dirty="0"/>
           </a:p>
@@ -3274,50 +3290,6 @@
             <a:r>
               <a:rPr lang="en-US" sz="1600" b="1" dirty="0" err="1" smtClean="0"/>
               <a:t>CourseAttributes</a:t>
-            </a:r>
-            <a:endParaRPr lang="en-SG" sz="1600" b="1" dirty="0"/>
-          </a:p>
-        </p:txBody>
-      </p:sp>
-      <p:sp>
-        <p:nvSpPr>
-          <p:cNvPr id="261" name="Rectangle 260"/>
-          <p:cNvSpPr/>
-          <p:nvPr/>
-        </p:nvSpPr>
-        <p:spPr>
-          <a:xfrm>
-            <a:off x="3352793" y="1751544"/>
-            <a:ext cx="2299249" cy="354635"/>
-          </a:xfrm>
-          <a:prstGeom prst="rect">
-            <a:avLst/>
-          </a:prstGeom>
-        </p:spPr>
-        <p:style>
-          <a:lnRef idx="2">
-            <a:schemeClr val="accent5">
-              <a:shade val="50000"/>
-            </a:schemeClr>
-          </a:lnRef>
-          <a:fillRef idx="1">
-            <a:schemeClr val="accent5"/>
-          </a:fillRef>
-          <a:effectRef idx="0">
-            <a:schemeClr val="accent5"/>
-          </a:effectRef>
-          <a:fontRef idx="minor">
-            <a:schemeClr val="lt1"/>
-          </a:fontRef>
-        </p:style>
-        <p:txBody>
-          <a:bodyPr rtlCol="0" anchor="ctr"/>
-          <a:lstStyle/>
-          <a:p>
-            <a:pPr algn="ctr"/>
-            <a:r>
-              <a:rPr lang="en-US" sz="1600" b="1" dirty="0" err="1" smtClean="0"/>
-              <a:t>EvaluationDetailsBundle</a:t>
             </a:r>
             <a:endParaRPr lang="en-SG" sz="1600" b="1" dirty="0"/>
           </a:p>
@@ -3901,14 +3873,15 @@
         <p:nvCxnSpPr>
           <p:cNvPr id="276" name="Elbow Connector 186"/>
           <p:cNvCxnSpPr>
+            <a:stCxn id="275" idx="3"/>
             <a:endCxn id="76" idx="1"/>
           </p:cNvCxnSpPr>
           <p:nvPr/>
         </p:nvCxnSpPr>
         <p:spPr>
           <a:xfrm rot="16200000" flipH="1">
-            <a:off x="2888735" y="1163956"/>
-            <a:ext cx="262218" cy="248499"/>
+            <a:off x="2881687" y="1004507"/>
+            <a:ext cx="276315" cy="248499"/>
           </a:xfrm>
           <a:prstGeom prst="bentConnector2">
             <a:avLst/>
@@ -3942,8 +3915,8 @@
         </p:nvSpPr>
         <p:spPr>
           <a:xfrm>
-            <a:off x="3698293" y="3219630"/>
-            <a:ext cx="2245307" cy="361770"/>
+            <a:off x="4003093" y="3219630"/>
+            <a:ext cx="1940389" cy="361770"/>
           </a:xfrm>
           <a:prstGeom prst="rect">
             <a:avLst/>
@@ -3986,7 +3959,7 @@
         </p:nvSpPr>
         <p:spPr>
           <a:xfrm rot="5400000">
-            <a:off x="3428937" y="3048000"/>
+            <a:off x="3733737" y="3048000"/>
             <a:ext cx="152400" cy="152400"/>
           </a:xfrm>
           <a:prstGeom prst="flowChartDecision">
@@ -4032,7 +4005,7 @@
         </p:nvCxnSpPr>
         <p:spPr>
           <a:xfrm rot="16200000" flipH="1">
-            <a:off x="3501658" y="3203879"/>
+            <a:off x="3806458" y="3203879"/>
             <a:ext cx="200115" cy="193156"/>
           </a:xfrm>
           <a:prstGeom prst="bentConnector2">
@@ -4067,7 +4040,7 @@
         </p:nvSpPr>
         <p:spPr>
           <a:xfrm>
-            <a:off x="3505142" y="3031183"/>
+            <a:off x="3809942" y="3031183"/>
             <a:ext cx="228600" cy="369332"/>
           </a:xfrm>
           <a:prstGeom prst="rect">
@@ -4101,19 +4074,281 @@
           </a:p>
         </p:txBody>
       </p:sp>
+      <p:sp>
+        <p:nvSpPr>
+          <p:cNvPr id="305" name="TextBox 304"/>
+          <p:cNvSpPr txBox="1"/>
+          <p:nvPr/>
+        </p:nvSpPr>
+        <p:spPr>
+          <a:xfrm>
+            <a:off x="609600" y="0"/>
+            <a:ext cx="533400" cy="369332"/>
+          </a:xfrm>
+          <a:prstGeom prst="rect">
+            <a:avLst/>
+          </a:prstGeom>
+          <a:noFill/>
+        </p:spPr>
+        <p:txBody>
+          <a:bodyPr wrap="square" rtlCol="0">
+            <a:spAutoFit/>
+          </a:bodyPr>
+          <a:lstStyle/>
+          <a:p>
+            <a:r>
+              <a:rPr lang="en-US" dirty="0" smtClean="0"/>
+              <a:t>(a)</a:t>
+            </a:r>
+            <a:endParaRPr lang="en-US" dirty="0"/>
+          </a:p>
+        </p:txBody>
+      </p:sp>
+      <p:sp>
+        <p:nvSpPr>
+          <p:cNvPr id="306" name="TextBox 305"/>
+          <p:cNvSpPr txBox="1"/>
+          <p:nvPr/>
+        </p:nvSpPr>
+        <p:spPr>
+          <a:xfrm>
+            <a:off x="3048000" y="11668"/>
+            <a:ext cx="533400" cy="369332"/>
+          </a:xfrm>
+          <a:prstGeom prst="rect">
+            <a:avLst/>
+          </a:prstGeom>
+          <a:noFill/>
+        </p:spPr>
+        <p:txBody>
+          <a:bodyPr wrap="square" rtlCol="0">
+            <a:spAutoFit/>
+          </a:bodyPr>
+          <a:lstStyle/>
+          <a:p>
+            <a:r>
+              <a:rPr lang="en-US" dirty="0" smtClean="0"/>
+              <a:t>(b)</a:t>
+            </a:r>
+            <a:endParaRPr lang="en-US" dirty="0"/>
+          </a:p>
+        </p:txBody>
+      </p:sp>
+      <p:sp>
+        <p:nvSpPr>
+          <p:cNvPr id="307" name="TextBox 306"/>
+          <p:cNvSpPr txBox="1"/>
+          <p:nvPr/>
+        </p:nvSpPr>
+        <p:spPr>
+          <a:xfrm>
+            <a:off x="6463640" y="0"/>
+            <a:ext cx="533400" cy="369332"/>
+          </a:xfrm>
+          <a:prstGeom prst="rect">
+            <a:avLst/>
+          </a:prstGeom>
+          <a:noFill/>
+        </p:spPr>
+        <p:txBody>
+          <a:bodyPr wrap="square" rtlCol="0">
+            <a:spAutoFit/>
+          </a:bodyPr>
+          <a:lstStyle/>
+          <a:p>
+            <a:r>
+              <a:rPr lang="en-US" dirty="0" smtClean="0"/>
+              <a:t>(c)</a:t>
+            </a:r>
+            <a:endParaRPr lang="en-US" dirty="0"/>
+          </a:p>
+        </p:txBody>
+      </p:sp>
+      <p:sp>
+        <p:nvSpPr>
+          <p:cNvPr id="76" name="Rectangle 75"/>
+          <p:cNvSpPr/>
+          <p:nvPr/>
+        </p:nvSpPr>
+        <p:spPr>
+          <a:xfrm>
+            <a:off x="3144094" y="1086030"/>
+            <a:ext cx="1885106" cy="361770"/>
+          </a:xfrm>
+          <a:prstGeom prst="rect">
+            <a:avLst/>
+          </a:prstGeom>
+        </p:spPr>
+        <p:style>
+          <a:lnRef idx="2">
+            <a:schemeClr val="accent6">
+              <a:shade val="50000"/>
+            </a:schemeClr>
+          </a:lnRef>
+          <a:fillRef idx="1">
+            <a:schemeClr val="accent6"/>
+          </a:fillRef>
+          <a:effectRef idx="0">
+            <a:schemeClr val="accent6"/>
+          </a:effectRef>
+          <a:fontRef idx="minor">
+            <a:schemeClr val="lt1"/>
+          </a:fontRef>
+        </p:style>
+        <p:txBody>
+          <a:bodyPr rtlCol="0" anchor="ctr"/>
+          <a:lstStyle/>
+          <a:p>
+            <a:pPr algn="ctr"/>
+            <a:r>
+              <a:rPr lang="en-US" sz="1600" b="1" dirty="0" err="1" smtClean="0"/>
+              <a:t>CourseAttributes</a:t>
+            </a:r>
+            <a:endParaRPr lang="en-SG" sz="1600" b="1" dirty="0"/>
+          </a:p>
+        </p:txBody>
+      </p:sp>
+      <p:sp>
+        <p:nvSpPr>
+          <p:cNvPr id="79" name="TextBox 78"/>
+          <p:cNvSpPr txBox="1"/>
+          <p:nvPr/>
+        </p:nvSpPr>
+        <p:spPr>
+          <a:xfrm>
+            <a:off x="2916282" y="990600"/>
+            <a:ext cx="228600" cy="307777"/>
+          </a:xfrm>
+          <a:prstGeom prst="rect">
+            <a:avLst/>
+          </a:prstGeom>
+          <a:noFill/>
+        </p:spPr>
+        <p:txBody>
+          <a:bodyPr wrap="square" rtlCol="0">
+            <a:spAutoFit/>
+          </a:bodyPr>
+          <a:lstStyle/>
+          <a:p>
+            <a:r>
+              <a:rPr lang="en-US" sz="1400" b="1" dirty="0" smtClean="0">
+                <a:solidFill>
+                  <a:schemeClr val="accent5">
+                    <a:lumMod val="75000"/>
+                  </a:schemeClr>
+                </a:solidFill>
+              </a:rPr>
+              <a:t>1</a:t>
+            </a:r>
+            <a:endParaRPr lang="en-US" sz="1400" b="1" dirty="0">
+              <a:solidFill>
+                <a:schemeClr val="accent5">
+                  <a:lumMod val="75000"/>
+                </a:schemeClr>
+              </a:solidFill>
+            </a:endParaRPr>
+          </a:p>
+        </p:txBody>
+      </p:sp>
+      <p:sp>
+        <p:nvSpPr>
+          <p:cNvPr id="86" name="Rectangle 85"/>
+          <p:cNvSpPr/>
+          <p:nvPr/>
+        </p:nvSpPr>
+        <p:spPr>
+          <a:xfrm>
+            <a:off x="3187146" y="2133600"/>
+            <a:ext cx="2299253" cy="352019"/>
+          </a:xfrm>
+          <a:prstGeom prst="rect">
+            <a:avLst/>
+          </a:prstGeom>
+        </p:spPr>
+        <p:style>
+          <a:lnRef idx="2">
+            <a:schemeClr val="accent5">
+              <a:shade val="50000"/>
+            </a:schemeClr>
+          </a:lnRef>
+          <a:fillRef idx="1">
+            <a:schemeClr val="accent5"/>
+          </a:fillRef>
+          <a:effectRef idx="0">
+            <a:schemeClr val="accent5"/>
+          </a:effectRef>
+          <a:fontRef idx="minor">
+            <a:schemeClr val="lt1"/>
+          </a:fontRef>
+        </p:style>
+        <p:txBody>
+          <a:bodyPr rtlCol="0" anchor="ctr"/>
+          <a:lstStyle/>
+          <a:p>
+            <a:pPr algn="ctr"/>
+            <a:r>
+              <a:rPr lang="en-US" sz="1600" b="1" dirty="0" err="1" smtClean="0"/>
+              <a:t>SectionDetailsBundle</a:t>
+            </a:r>
+            <a:endParaRPr lang="en-SG" sz="1600" b="1" dirty="0"/>
+          </a:p>
+        </p:txBody>
+      </p:sp>
+      <p:sp>
+        <p:nvSpPr>
+          <p:cNvPr id="87" name="TextBox 86"/>
+          <p:cNvSpPr txBox="1"/>
+          <p:nvPr/>
+        </p:nvSpPr>
+        <p:spPr>
+          <a:xfrm>
+            <a:off x="2958553" y="2057400"/>
+            <a:ext cx="228600" cy="369332"/>
+          </a:xfrm>
+          <a:prstGeom prst="rect">
+            <a:avLst/>
+          </a:prstGeom>
+          <a:noFill/>
+        </p:spPr>
+        <p:txBody>
+          <a:bodyPr wrap="square" rtlCol="0">
+            <a:spAutoFit/>
+          </a:bodyPr>
+          <a:lstStyle/>
+          <a:p>
+            <a:r>
+              <a:rPr lang="en-US" dirty="0" smtClean="0">
+                <a:solidFill>
+                  <a:schemeClr val="accent5">
+                    <a:lumMod val="75000"/>
+                  </a:schemeClr>
+                </a:solidFill>
+              </a:rPr>
+              <a:t>*</a:t>
+            </a:r>
+            <a:endParaRPr lang="en-US" dirty="0">
+              <a:solidFill>
+                <a:schemeClr val="accent5">
+                  <a:lumMod val="75000"/>
+                </a:schemeClr>
+              </a:solidFill>
+            </a:endParaRPr>
+          </a:p>
+        </p:txBody>
+      </p:sp>
       <p:cxnSp>
         <p:nvCxnSpPr>
-          <p:cNvPr id="283" name="Elbow Connector 186"/>
+          <p:cNvPr id="88" name="Elbow Connector 186"/>
           <p:cNvCxnSpPr>
             <a:stCxn id="275" idx="3"/>
-            <a:endCxn id="261" idx="1"/>
+            <a:endCxn id="86" idx="1"/>
           </p:cNvCxnSpPr>
           <p:nvPr/>
         </p:nvCxnSpPr>
         <p:spPr>
           <a:xfrm rot="16200000" flipH="1">
-            <a:off x="2655063" y="1231132"/>
-            <a:ext cx="938262" cy="457198"/>
+            <a:off x="2381865" y="1504329"/>
+            <a:ext cx="1319010" cy="291551"/>
           </a:xfrm>
           <a:prstGeom prst="bentConnector2">
             <a:avLst/>
@@ -4141,232 +4376,14 @@
       </p:cxnSp>
       <p:sp>
         <p:nvSpPr>
-          <p:cNvPr id="284" name="TextBox 283"/>
-          <p:cNvSpPr txBox="1"/>
-          <p:nvPr/>
-        </p:nvSpPr>
-        <p:spPr>
-          <a:xfrm>
-            <a:off x="3124200" y="1600200"/>
-            <a:ext cx="228600" cy="369332"/>
-          </a:xfrm>
-          <a:prstGeom prst="rect">
-            <a:avLst/>
-          </a:prstGeom>
-          <a:noFill/>
-        </p:spPr>
-        <p:txBody>
-          <a:bodyPr wrap="square" rtlCol="0">
-            <a:spAutoFit/>
-          </a:bodyPr>
-          <a:lstStyle/>
-          <a:p>
-            <a:r>
-              <a:rPr lang="en-US" dirty="0" smtClean="0">
-                <a:solidFill>
-                  <a:schemeClr val="accent5">
-                    <a:lumMod val="75000"/>
-                  </a:schemeClr>
-                </a:solidFill>
-              </a:rPr>
-              <a:t>*</a:t>
-            </a:r>
-            <a:endParaRPr lang="en-US" dirty="0">
-              <a:solidFill>
-                <a:schemeClr val="accent5">
-                  <a:lumMod val="75000"/>
-                </a:schemeClr>
-              </a:solidFill>
-            </a:endParaRPr>
-          </a:p>
-        </p:txBody>
-      </p:sp>
-      <p:sp>
-        <p:nvSpPr>
-          <p:cNvPr id="305" name="TextBox 304"/>
-          <p:cNvSpPr txBox="1"/>
-          <p:nvPr/>
-        </p:nvSpPr>
-        <p:spPr>
-          <a:xfrm>
-            <a:off x="609600" y="0"/>
-            <a:ext cx="533400" cy="369332"/>
-          </a:xfrm>
-          <a:prstGeom prst="rect">
-            <a:avLst/>
-          </a:prstGeom>
-          <a:noFill/>
-        </p:spPr>
-        <p:txBody>
-          <a:bodyPr wrap="square" rtlCol="0">
-            <a:spAutoFit/>
-          </a:bodyPr>
-          <a:lstStyle/>
-          <a:p>
-            <a:r>
-              <a:rPr lang="en-US" dirty="0" smtClean="0"/>
-              <a:t>(a)</a:t>
-            </a:r>
-            <a:endParaRPr lang="en-US" dirty="0"/>
-          </a:p>
-        </p:txBody>
-      </p:sp>
-      <p:sp>
-        <p:nvSpPr>
-          <p:cNvPr id="306" name="TextBox 305"/>
-          <p:cNvSpPr txBox="1"/>
-          <p:nvPr/>
-        </p:nvSpPr>
-        <p:spPr>
-          <a:xfrm>
-            <a:off x="3048000" y="11668"/>
-            <a:ext cx="533400" cy="369332"/>
-          </a:xfrm>
-          <a:prstGeom prst="rect">
-            <a:avLst/>
-          </a:prstGeom>
-          <a:noFill/>
-        </p:spPr>
-        <p:txBody>
-          <a:bodyPr wrap="square" rtlCol="0">
-            <a:spAutoFit/>
-          </a:bodyPr>
-          <a:lstStyle/>
-          <a:p>
-            <a:r>
-              <a:rPr lang="en-US" dirty="0" smtClean="0"/>
-              <a:t>(b)</a:t>
-            </a:r>
-            <a:endParaRPr lang="en-US" dirty="0"/>
-          </a:p>
-        </p:txBody>
-      </p:sp>
-      <p:sp>
-        <p:nvSpPr>
-          <p:cNvPr id="307" name="TextBox 306"/>
-          <p:cNvSpPr txBox="1"/>
-          <p:nvPr/>
-        </p:nvSpPr>
-        <p:spPr>
-          <a:xfrm>
-            <a:off x="6463640" y="0"/>
-            <a:ext cx="533400" cy="369332"/>
-          </a:xfrm>
-          <a:prstGeom prst="rect">
-            <a:avLst/>
-          </a:prstGeom>
-          <a:noFill/>
-        </p:spPr>
-        <p:txBody>
-          <a:bodyPr wrap="square" rtlCol="0">
-            <a:spAutoFit/>
-          </a:bodyPr>
-          <a:lstStyle/>
-          <a:p>
-            <a:r>
-              <a:rPr lang="en-US" dirty="0" smtClean="0"/>
-              <a:t>(c)</a:t>
-            </a:r>
-            <a:endParaRPr lang="en-US" dirty="0"/>
-          </a:p>
-        </p:txBody>
-      </p:sp>
-      <p:sp>
-        <p:nvSpPr>
-          <p:cNvPr id="76" name="Rectangle 75"/>
+          <p:cNvPr id="96" name="Rectangle 95"/>
           <p:cNvSpPr/>
           <p:nvPr/>
         </p:nvSpPr>
         <p:spPr>
           <a:xfrm>
-            <a:off x="3144094" y="1238430"/>
-            <a:ext cx="1885106" cy="361770"/>
-          </a:xfrm>
-          <a:prstGeom prst="rect">
-            <a:avLst/>
-          </a:prstGeom>
-        </p:spPr>
-        <p:style>
-          <a:lnRef idx="2">
-            <a:schemeClr val="accent6">
-              <a:shade val="50000"/>
-            </a:schemeClr>
-          </a:lnRef>
-          <a:fillRef idx="1">
-            <a:schemeClr val="accent6"/>
-          </a:fillRef>
-          <a:effectRef idx="0">
-            <a:schemeClr val="accent6"/>
-          </a:effectRef>
-          <a:fontRef idx="minor">
-            <a:schemeClr val="lt1"/>
-          </a:fontRef>
-        </p:style>
-        <p:txBody>
-          <a:bodyPr rtlCol="0" anchor="ctr"/>
-          <a:lstStyle/>
-          <a:p>
-            <a:pPr algn="ctr"/>
-            <a:r>
-              <a:rPr lang="en-US" sz="1600" b="1" dirty="0" err="1" smtClean="0"/>
-              <a:t>CourseAttributes</a:t>
-            </a:r>
-            <a:endParaRPr lang="en-SG" sz="1600" b="1" dirty="0"/>
-          </a:p>
-        </p:txBody>
-      </p:sp>
-      <p:sp>
-        <p:nvSpPr>
-          <p:cNvPr id="79" name="TextBox 78"/>
-          <p:cNvSpPr txBox="1"/>
-          <p:nvPr/>
-        </p:nvSpPr>
-        <p:spPr>
-          <a:xfrm>
-            <a:off x="2916282" y="1063823"/>
-            <a:ext cx="228600" cy="307777"/>
-          </a:xfrm>
-          <a:prstGeom prst="rect">
-            <a:avLst/>
-          </a:prstGeom>
-          <a:noFill/>
-        </p:spPr>
-        <p:txBody>
-          <a:bodyPr wrap="square" rtlCol="0">
-            <a:spAutoFit/>
-          </a:bodyPr>
-          <a:lstStyle/>
-          <a:p>
-            <a:r>
-              <a:rPr lang="en-US" sz="1400" b="1" dirty="0" smtClean="0">
-                <a:solidFill>
-                  <a:schemeClr val="accent5">
-                    <a:lumMod val="75000"/>
-                  </a:schemeClr>
-                </a:solidFill>
-              </a:rPr>
-              <a:t>1</a:t>
-            </a:r>
-            <a:endParaRPr lang="en-US" sz="1400" b="1" dirty="0">
-              <a:solidFill>
-                <a:schemeClr val="accent5">
-                  <a:lumMod val="75000"/>
-                </a:schemeClr>
-              </a:solidFill>
-            </a:endParaRPr>
-          </a:p>
-        </p:txBody>
-      </p:sp>
-      <p:sp>
-        <p:nvSpPr>
-          <p:cNvPr id="86" name="Rectangle 85"/>
-          <p:cNvSpPr/>
-          <p:nvPr/>
-        </p:nvSpPr>
-        <p:spPr>
-          <a:xfrm>
-            <a:off x="3352793" y="2676776"/>
-            <a:ext cx="2299253" cy="352019"/>
+            <a:off x="6019800" y="2334497"/>
+            <a:ext cx="2223166" cy="332503"/>
           </a:xfrm>
           <a:prstGeom prst="rect">
             <a:avLst/>
@@ -4395,7 +4412,7 @@
             <a:pPr algn="ctr"/>
             <a:r>
               <a:rPr lang="en-US" sz="1600" b="1" dirty="0" err="1" smtClean="0"/>
-              <a:t>TeamDetailsBundle</a:t>
+              <a:t>CourseRoster</a:t>
             </a:r>
             <a:endParaRPr lang="en-SG" sz="1600" b="1" dirty="0"/>
           </a:p>
@@ -4403,66 +4420,18 @@
       </p:sp>
       <p:sp>
         <p:nvSpPr>
-          <p:cNvPr id="87" name="TextBox 86"/>
-          <p:cNvSpPr txBox="1"/>
-          <p:nvPr/>
-        </p:nvSpPr>
-        <p:spPr>
-          <a:xfrm>
-            <a:off x="3124200" y="2522816"/>
-            <a:ext cx="228600" cy="369332"/>
+          <p:cNvPr id="97" name="Rectangle 96"/>
+          <p:cNvSpPr/>
+          <p:nvPr/>
+        </p:nvSpPr>
+        <p:spPr>
+          <a:xfrm>
+            <a:off x="5535880" y="460890"/>
+            <a:ext cx="2998520" cy="361770"/>
           </a:xfrm>
           <a:prstGeom prst="rect">
             <a:avLst/>
           </a:prstGeom>
-          <a:noFill/>
-        </p:spPr>
-        <p:txBody>
-          <a:bodyPr wrap="square" rtlCol="0">
-            <a:spAutoFit/>
-          </a:bodyPr>
-          <a:lstStyle/>
-          <a:p>
-            <a:r>
-              <a:rPr lang="en-US" dirty="0" smtClean="0">
-                <a:solidFill>
-                  <a:schemeClr val="accent5">
-                    <a:lumMod val="75000"/>
-                  </a:schemeClr>
-                </a:solidFill>
-              </a:rPr>
-              <a:t>*</a:t>
-            </a:r>
-            <a:endParaRPr lang="en-US" dirty="0">
-              <a:solidFill>
-                <a:schemeClr val="accent5">
-                  <a:lumMod val="75000"/>
-                </a:schemeClr>
-              </a:solidFill>
-            </a:endParaRPr>
-          </a:p>
-        </p:txBody>
-      </p:sp>
-      <p:cxnSp>
-        <p:nvCxnSpPr>
-          <p:cNvPr id="88" name="Elbow Connector 186"/>
-          <p:cNvCxnSpPr>
-            <a:stCxn id="275" idx="3"/>
-            <a:endCxn id="86" idx="1"/>
-          </p:cNvCxnSpPr>
-          <p:nvPr/>
-        </p:nvCxnSpPr>
-        <p:spPr>
-          <a:xfrm rot="16200000" flipH="1">
-            <a:off x="2193101" y="1693094"/>
-            <a:ext cx="1862186" cy="457198"/>
-          </a:xfrm>
-          <a:prstGeom prst="bentConnector2">
-            <a:avLst/>
-          </a:prstGeom>
-          <a:ln>
-            <a:tailEnd type="arrow"/>
-          </a:ln>
         </p:spPr>
         <p:style>
           <a:lnRef idx="2">
@@ -4480,21 +4449,36 @@
             <a:schemeClr val="lt1"/>
           </a:fontRef>
         </p:style>
-      </p:cxnSp>
-      <p:sp>
-        <p:nvSpPr>
-          <p:cNvPr id="96" name="Rectangle 95"/>
+        <p:txBody>
+          <a:bodyPr rtlCol="0" anchor="ctr"/>
+          <a:lstStyle/>
+          <a:p>
+            <a:pPr algn="ctr"/>
+            <a:r>
+              <a:rPr lang="en-US" sz="1600" b="1" dirty="0" err="1" smtClean="0"/>
+              <a:t>FeedbackSessionResultsBundle</a:t>
+            </a:r>
+            <a:endParaRPr lang="en-SG" sz="1600" b="1" dirty="0"/>
+          </a:p>
+        </p:txBody>
+      </p:sp>
+      <p:sp>
+        <p:nvSpPr>
+          <p:cNvPr id="98" name="Flowchart: Decision 97"/>
           <p:cNvSpPr/>
           <p:nvPr/>
         </p:nvSpPr>
         <p:spPr>
-          <a:xfrm>
-            <a:off x="5930234" y="1393280"/>
-            <a:ext cx="2223166" cy="361770"/>
-          </a:xfrm>
-          <a:prstGeom prst="rect">
-            <a:avLst/>
-          </a:prstGeom>
+          <a:xfrm rot="5400000">
+            <a:off x="5612075" y="841890"/>
+            <a:ext cx="152400" cy="152400"/>
+          </a:xfrm>
+          <a:prstGeom prst="flowChartDecision">
+            <a:avLst/>
+          </a:prstGeom>
+          <a:solidFill>
+            <a:schemeClr val="bg1"/>
+          </a:solidFill>
         </p:spPr>
         <p:style>
           <a:lnRef idx="2">
@@ -4517,97 +4501,6 @@
           <a:lstStyle/>
           <a:p>
             <a:pPr algn="ctr"/>
-            <a:r>
-              <a:rPr lang="en-US" sz="1600" b="1" dirty="0" err="1" smtClean="0"/>
-              <a:t>TeamResultsBundle</a:t>
-            </a:r>
-            <a:endParaRPr lang="en-SG" sz="1600" b="1" dirty="0"/>
-          </a:p>
-        </p:txBody>
-      </p:sp>
-      <p:sp>
-        <p:nvSpPr>
-          <p:cNvPr id="97" name="Rectangle 96"/>
-          <p:cNvSpPr/>
-          <p:nvPr/>
-        </p:nvSpPr>
-        <p:spPr>
-          <a:xfrm>
-            <a:off x="5535880" y="460890"/>
-            <a:ext cx="2312726" cy="361770"/>
-          </a:xfrm>
-          <a:prstGeom prst="rect">
-            <a:avLst/>
-          </a:prstGeom>
-        </p:spPr>
-        <p:style>
-          <a:lnRef idx="2">
-            <a:schemeClr val="accent5">
-              <a:shade val="50000"/>
-            </a:schemeClr>
-          </a:lnRef>
-          <a:fillRef idx="1">
-            <a:schemeClr val="accent5"/>
-          </a:fillRef>
-          <a:effectRef idx="0">
-            <a:schemeClr val="accent5"/>
-          </a:effectRef>
-          <a:fontRef idx="minor">
-            <a:schemeClr val="lt1"/>
-          </a:fontRef>
-        </p:style>
-        <p:txBody>
-          <a:bodyPr rtlCol="0" anchor="ctr"/>
-          <a:lstStyle/>
-          <a:p>
-            <a:pPr algn="ctr"/>
-            <a:r>
-              <a:rPr lang="en-US" sz="1600" b="1" dirty="0" err="1" smtClean="0"/>
-              <a:t>EvaluationResultsBundle</a:t>
-            </a:r>
-            <a:endParaRPr lang="en-SG" sz="1600" b="1" dirty="0"/>
-          </a:p>
-        </p:txBody>
-      </p:sp>
-      <p:sp>
-        <p:nvSpPr>
-          <p:cNvPr id="98" name="Flowchart: Decision 97"/>
-          <p:cNvSpPr/>
-          <p:nvPr/>
-        </p:nvSpPr>
-        <p:spPr>
-          <a:xfrm rot="5400000">
-            <a:off x="5612075" y="841890"/>
-            <a:ext cx="152400" cy="152400"/>
-          </a:xfrm>
-          <a:prstGeom prst="flowChartDecision">
-            <a:avLst/>
-          </a:prstGeom>
-          <a:solidFill>
-            <a:schemeClr val="bg1"/>
-          </a:solidFill>
-        </p:spPr>
-        <p:style>
-          <a:lnRef idx="2">
-            <a:schemeClr val="accent5">
-              <a:shade val="50000"/>
-            </a:schemeClr>
-          </a:lnRef>
-          <a:fillRef idx="1">
-            <a:schemeClr val="accent5"/>
-          </a:fillRef>
-          <a:effectRef idx="0">
-            <a:schemeClr val="accent5"/>
-          </a:effectRef>
-          <a:fontRef idx="minor">
-            <a:schemeClr val="lt1"/>
-          </a:fontRef>
-        </p:style>
-        <p:txBody>
-          <a:bodyPr rtlCol="0" anchor="ctr"/>
-          <a:lstStyle/>
-          <a:p>
-            <a:pPr algn="ctr"/>
             <a:endParaRPr lang="en-US"/>
           </a:p>
         </p:txBody>
@@ -4623,8 +4516,8 @@
         </p:nvCxnSpPr>
         <p:spPr>
           <a:xfrm rot="16200000" flipH="1">
-            <a:off x="5759189" y="923375"/>
-            <a:ext cx="106671" cy="248499"/>
+            <a:off x="5770152" y="912412"/>
+            <a:ext cx="160945" cy="324699"/>
           </a:xfrm>
           <a:prstGeom prst="bentConnector2">
             <a:avLst/>
@@ -4661,8 +4554,8 @@
         </p:nvCxnSpPr>
         <p:spPr>
           <a:xfrm rot="16200000" flipH="1">
-            <a:off x="5519317" y="1163247"/>
-            <a:ext cx="579875" cy="241959"/>
+            <a:off x="5100808" y="1581756"/>
+            <a:ext cx="1506459" cy="331525"/>
           </a:xfrm>
           <a:prstGeom prst="bentConnector2">
             <a:avLst/>
@@ -4696,7 +4589,7 @@
         </p:nvSpPr>
         <p:spPr>
           <a:xfrm>
-            <a:off x="5701640" y="1322416"/>
+            <a:off x="5701640" y="1307068"/>
             <a:ext cx="228600" cy="369332"/>
           </a:xfrm>
           <a:prstGeom prst="rect">
@@ -4738,8 +4631,8 @@
         </p:nvSpPr>
         <p:spPr>
           <a:xfrm>
-            <a:off x="5936774" y="920076"/>
-            <a:ext cx="2216626" cy="361770"/>
+            <a:off x="6012974" y="990600"/>
+            <a:ext cx="2826226" cy="329270"/>
           </a:xfrm>
           <a:prstGeom prst="rect">
             <a:avLst/>
@@ -4768,7 +4661,7 @@
             <a:pPr algn="ctr"/>
             <a:r>
               <a:rPr lang="en-US" sz="1600" b="1" dirty="0" err="1" smtClean="0"/>
-              <a:t>EvaluationAttributes</a:t>
+              <a:t>FeedbackSessionAttributes</a:t>
             </a:r>
             <a:endParaRPr lang="en-SG" sz="1600" b="1" dirty="0"/>
           </a:p>
@@ -4782,7 +4675,7 @@
         </p:nvSpPr>
         <p:spPr>
           <a:xfrm>
-            <a:off x="5714882" y="814909"/>
+            <a:off x="5714882" y="911423"/>
             <a:ext cx="228600" cy="307777"/>
           </a:xfrm>
           <a:prstGeom prst="rect">
@@ -4824,7 +4717,7 @@
         </p:nvSpPr>
         <p:spPr>
           <a:xfrm rot="5400000">
-            <a:off x="6076101" y="1754500"/>
+            <a:off x="6076101" y="2667000"/>
             <a:ext cx="152400" cy="152400"/>
           </a:xfrm>
           <a:prstGeom prst="flowChartDecision">
@@ -4867,7 +4760,7 @@
         </p:nvSpPr>
         <p:spPr>
           <a:xfrm>
-            <a:off x="6160714" y="1779616"/>
+            <a:off x="6160714" y="2743200"/>
             <a:ext cx="228600" cy="369332"/>
           </a:xfrm>
           <a:prstGeom prst="rect">
@@ -4901,19 +4794,63 @@
           </a:p>
         </p:txBody>
       </p:sp>
+      <p:sp>
+        <p:nvSpPr>
+          <p:cNvPr id="119" name="Rectangle 118"/>
+          <p:cNvSpPr/>
+          <p:nvPr/>
+        </p:nvSpPr>
+        <p:spPr>
+          <a:xfrm>
+            <a:off x="6409214" y="2865730"/>
+            <a:ext cx="2294860" cy="315600"/>
+          </a:xfrm>
+          <a:prstGeom prst="rect">
+            <a:avLst/>
+          </a:prstGeom>
+        </p:spPr>
+        <p:style>
+          <a:lnRef idx="2">
+            <a:schemeClr val="accent6">
+              <a:shade val="50000"/>
+            </a:schemeClr>
+          </a:lnRef>
+          <a:fillRef idx="1">
+            <a:schemeClr val="accent6"/>
+          </a:fillRef>
+          <a:effectRef idx="0">
+            <a:schemeClr val="accent6"/>
+          </a:effectRef>
+          <a:fontRef idx="minor">
+            <a:schemeClr val="lt1"/>
+          </a:fontRef>
+        </p:style>
+        <p:txBody>
+          <a:bodyPr rtlCol="0" anchor="ctr"/>
+          <a:lstStyle/>
+          <a:p>
+            <a:pPr algn="ctr"/>
+            <a:r>
+              <a:rPr lang="en-US" sz="1600" b="1" dirty="0" err="1" smtClean="0"/>
+              <a:t>StudentAttributes</a:t>
+            </a:r>
+            <a:endParaRPr lang="en-SG" sz="1600" b="1" dirty="0"/>
+          </a:p>
+        </p:txBody>
+      </p:sp>
       <p:cxnSp>
         <p:nvCxnSpPr>
-          <p:cNvPr id="118" name="Elbow Connector 186"/>
+          <p:cNvPr id="122" name="Elbow Connector 186"/>
           <p:cNvCxnSpPr>
-            <a:stCxn id="117" idx="3"/>
-            <a:endCxn id="119" idx="1"/>
+            <a:stCxn id="109" idx="3"/>
+            <a:endCxn id="123" idx="1"/>
           </p:cNvCxnSpPr>
           <p:nvPr/>
         </p:nvCxnSpPr>
         <p:spPr>
           <a:xfrm rot="16200000" flipH="1">
-            <a:off x="6611036" y="2345782"/>
-            <a:ext cx="162397" cy="248499"/>
+            <a:off x="5979446" y="2992254"/>
+            <a:ext cx="609927" cy="264217"/>
           </a:xfrm>
           <a:prstGeom prst="bentConnector2">
             <a:avLst/>
@@ -4941,14 +4878,14 @@
       </p:cxnSp>
       <p:sp>
         <p:nvSpPr>
-          <p:cNvPr id="119" name="Rectangle 118"/>
+          <p:cNvPr id="123" name="Rectangle 122"/>
           <p:cNvSpPr/>
           <p:nvPr/>
         </p:nvSpPr>
         <p:spPr>
           <a:xfrm>
-            <a:off x="6816484" y="2408446"/>
-            <a:ext cx="2294860" cy="285570"/>
+            <a:off x="6416518" y="3277254"/>
+            <a:ext cx="2294860" cy="304146"/>
           </a:xfrm>
           <a:prstGeom prst="rect">
             <a:avLst/>
@@ -4974,69 +4911,28 @@
           <a:bodyPr rtlCol="0" anchor="ctr"/>
           <a:lstStyle/>
           <a:p>
+            <a:pPr algn="ctr"/>
             <a:r>
               <a:rPr lang="en-US" sz="1600" b="1" dirty="0" err="1" smtClean="0"/>
-              <a:t>StudentAttributes</a:t>
+              <a:t>InstructorAttributes</a:t>
             </a:r>
             <a:endParaRPr lang="en-SG" sz="1600" b="1" dirty="0"/>
-          </a:p>
-        </p:txBody>
-      </p:sp>
-      <p:sp>
-        <p:nvSpPr>
-          <p:cNvPr id="120" name="TextBox 119"/>
-          <p:cNvSpPr txBox="1"/>
-          <p:nvPr/>
-        </p:nvSpPr>
-        <p:spPr>
-          <a:xfrm>
-            <a:off x="6588672" y="2283257"/>
-            <a:ext cx="228600" cy="307777"/>
-          </a:xfrm>
-          <a:prstGeom prst="rect">
-            <a:avLst/>
-          </a:prstGeom>
-          <a:noFill/>
-        </p:spPr>
-        <p:txBody>
-          <a:bodyPr wrap="square" rtlCol="0">
-            <a:spAutoFit/>
-          </a:bodyPr>
-          <a:lstStyle/>
-          <a:p>
-            <a:r>
-              <a:rPr lang="en-US" sz="1400" b="1" dirty="0" smtClean="0">
-                <a:solidFill>
-                  <a:schemeClr val="accent5">
-                    <a:lumMod val="75000"/>
-                  </a:schemeClr>
-                </a:solidFill>
-              </a:rPr>
-              <a:t>1</a:t>
-            </a:r>
-            <a:endParaRPr lang="en-US" sz="1400" b="1" dirty="0">
-              <a:solidFill>
-                <a:schemeClr val="accent5">
-                  <a:lumMod val="75000"/>
-                </a:schemeClr>
-              </a:solidFill>
-            </a:endParaRPr>
           </a:p>
         </p:txBody>
       </p:sp>
       <p:cxnSp>
         <p:nvCxnSpPr>
-          <p:cNvPr id="122" name="Elbow Connector 186"/>
+          <p:cNvPr id="110" name="Elbow Connector 186"/>
           <p:cNvCxnSpPr>
-            <a:stCxn id="117" idx="3"/>
-            <a:endCxn id="123" idx="1"/>
+            <a:stCxn id="109" idx="3"/>
+            <a:endCxn id="119" idx="1"/>
           </p:cNvCxnSpPr>
           <p:nvPr/>
         </p:nvCxnSpPr>
         <p:spPr>
           <a:xfrm rot="16200000" flipH="1">
-            <a:off x="6384760" y="2572058"/>
-            <a:ext cx="614948" cy="248499"/>
+            <a:off x="6178692" y="2793008"/>
+            <a:ext cx="204130" cy="256913"/>
           </a:xfrm>
           <a:prstGeom prst="bentConnector2">
             <a:avLst/>
@@ -5064,14 +4960,400 @@
       </p:cxnSp>
       <p:sp>
         <p:nvSpPr>
-          <p:cNvPr id="123" name="Rectangle 122"/>
+          <p:cNvPr id="144" name="TextBox 143"/>
+          <p:cNvSpPr txBox="1"/>
+          <p:nvPr/>
+        </p:nvSpPr>
+        <p:spPr>
+          <a:xfrm>
+            <a:off x="6158946" y="3150812"/>
+            <a:ext cx="228600" cy="369332"/>
+          </a:xfrm>
+          <a:prstGeom prst="rect">
+            <a:avLst/>
+          </a:prstGeom>
+          <a:noFill/>
+        </p:spPr>
+        <p:txBody>
+          <a:bodyPr wrap="square" rtlCol="0">
+            <a:spAutoFit/>
+          </a:bodyPr>
+          <a:lstStyle/>
+          <a:p>
+            <a:r>
+              <a:rPr lang="en-US" dirty="0" smtClean="0">
+                <a:solidFill>
+                  <a:schemeClr val="accent5">
+                    <a:lumMod val="75000"/>
+                  </a:schemeClr>
+                </a:solidFill>
+              </a:rPr>
+              <a:t>*</a:t>
+            </a:r>
+            <a:endParaRPr lang="en-US" dirty="0">
+              <a:solidFill>
+                <a:schemeClr val="accent5">
+                  <a:lumMod val="75000"/>
+                </a:schemeClr>
+              </a:solidFill>
+            </a:endParaRPr>
+          </a:p>
+        </p:txBody>
+      </p:sp>
+      <p:sp>
+        <p:nvSpPr>
+          <p:cNvPr id="61" name="Rectangle 60"/>
           <p:cNvSpPr/>
           <p:nvPr/>
         </p:nvSpPr>
         <p:spPr>
           <a:xfrm>
-            <a:off x="6816484" y="2786344"/>
-            <a:ext cx="2294860" cy="434876"/>
+            <a:off x="3187151" y="1600200"/>
+            <a:ext cx="2299249" cy="448928"/>
+          </a:xfrm>
+          <a:prstGeom prst="rect">
+            <a:avLst/>
+          </a:prstGeom>
+        </p:spPr>
+        <p:style>
+          <a:lnRef idx="2">
+            <a:schemeClr val="accent5">
+              <a:shade val="50000"/>
+            </a:schemeClr>
+          </a:lnRef>
+          <a:fillRef idx="1">
+            <a:schemeClr val="accent5"/>
+          </a:fillRef>
+          <a:effectRef idx="0">
+            <a:schemeClr val="accent5"/>
+          </a:effectRef>
+          <a:fontRef idx="minor">
+            <a:schemeClr val="lt1"/>
+          </a:fontRef>
+        </p:style>
+        <p:txBody>
+          <a:bodyPr rtlCol="0" anchor="ctr"/>
+          <a:lstStyle/>
+          <a:p>
+            <a:pPr algn="ctr"/>
+            <a:r>
+              <a:rPr lang="en-US" sz="1600" b="1" dirty="0" err="1" smtClean="0"/>
+              <a:t>FeedbackSession</a:t>
+            </a:r>
+            <a:r>
+              <a:rPr lang="en-US" sz="1600" b="1" dirty="0" smtClean="0"/>
+              <a:t/>
+            </a:r>
+            <a:br>
+              <a:rPr lang="en-US" sz="1600" b="1" dirty="0" smtClean="0"/>
+            </a:br>
+            <a:r>
+              <a:rPr lang="en-US" sz="1600" b="1" dirty="0" err="1" smtClean="0"/>
+              <a:t>DetailsBundle</a:t>
+            </a:r>
+            <a:endParaRPr lang="en-SG" sz="1600" b="1" dirty="0"/>
+          </a:p>
+        </p:txBody>
+      </p:sp>
+      <p:cxnSp>
+        <p:nvCxnSpPr>
+          <p:cNvPr id="62" name="Elbow Connector 186"/>
+          <p:cNvCxnSpPr>
+            <a:stCxn id="275" idx="3"/>
+            <a:endCxn id="61" idx="1"/>
+          </p:cNvCxnSpPr>
+          <p:nvPr/>
+        </p:nvCxnSpPr>
+        <p:spPr>
+          <a:xfrm rot="16200000" flipH="1">
+            <a:off x="2624341" y="1261854"/>
+            <a:ext cx="834064" cy="291556"/>
+          </a:xfrm>
+          <a:prstGeom prst="bentConnector2">
+            <a:avLst/>
+          </a:prstGeom>
+          <a:ln>
+            <a:tailEnd type="arrow"/>
+          </a:ln>
+        </p:spPr>
+        <p:style>
+          <a:lnRef idx="2">
+            <a:schemeClr val="accent5">
+              <a:shade val="50000"/>
+            </a:schemeClr>
+          </a:lnRef>
+          <a:fillRef idx="1">
+            <a:schemeClr val="accent5"/>
+          </a:fillRef>
+          <a:effectRef idx="0">
+            <a:schemeClr val="accent5"/>
+          </a:effectRef>
+          <a:fontRef idx="minor">
+            <a:schemeClr val="lt1"/>
+          </a:fontRef>
+        </p:style>
+      </p:cxnSp>
+      <p:sp>
+        <p:nvSpPr>
+          <p:cNvPr id="63" name="TextBox 62"/>
+          <p:cNvSpPr txBox="1"/>
+          <p:nvPr/>
+        </p:nvSpPr>
+        <p:spPr>
+          <a:xfrm>
+            <a:off x="2958558" y="1524000"/>
+            <a:ext cx="228600" cy="369332"/>
+          </a:xfrm>
+          <a:prstGeom prst="rect">
+            <a:avLst/>
+          </a:prstGeom>
+          <a:noFill/>
+        </p:spPr>
+        <p:txBody>
+          <a:bodyPr wrap="square" rtlCol="0">
+            <a:spAutoFit/>
+          </a:bodyPr>
+          <a:lstStyle/>
+          <a:p>
+            <a:r>
+              <a:rPr lang="en-US" dirty="0" smtClean="0">
+                <a:solidFill>
+                  <a:schemeClr val="accent5">
+                    <a:lumMod val="75000"/>
+                  </a:schemeClr>
+                </a:solidFill>
+              </a:rPr>
+              <a:t>*</a:t>
+            </a:r>
+            <a:endParaRPr lang="en-US" dirty="0">
+              <a:solidFill>
+                <a:schemeClr val="accent5">
+                  <a:lumMod val="75000"/>
+                </a:schemeClr>
+              </a:solidFill>
+            </a:endParaRPr>
+          </a:p>
+        </p:txBody>
+      </p:sp>
+      <p:sp>
+        <p:nvSpPr>
+          <p:cNvPr id="64" name="Flowchart: Decision 63"/>
+          <p:cNvSpPr/>
+          <p:nvPr/>
+        </p:nvSpPr>
+        <p:spPr>
+          <a:xfrm rot="5400000">
+            <a:off x="3263347" y="2514600"/>
+            <a:ext cx="152400" cy="152400"/>
+          </a:xfrm>
+          <a:prstGeom prst="flowChartDecision">
+            <a:avLst/>
+          </a:prstGeom>
+          <a:solidFill>
+            <a:schemeClr val="bg1"/>
+          </a:solidFill>
+        </p:spPr>
+        <p:style>
+          <a:lnRef idx="2">
+            <a:schemeClr val="accent5">
+              <a:shade val="50000"/>
+            </a:schemeClr>
+          </a:lnRef>
+          <a:fillRef idx="1">
+            <a:schemeClr val="accent5"/>
+          </a:fillRef>
+          <a:effectRef idx="0">
+            <a:schemeClr val="accent5"/>
+          </a:effectRef>
+          <a:fontRef idx="minor">
+            <a:schemeClr val="lt1"/>
+          </a:fontRef>
+        </p:style>
+        <p:txBody>
+          <a:bodyPr rtlCol="0" anchor="ctr"/>
+          <a:lstStyle/>
+          <a:p>
+            <a:pPr algn="ctr"/>
+            <a:endParaRPr lang="en-US"/>
+          </a:p>
+        </p:txBody>
+      </p:sp>
+      <p:sp>
+        <p:nvSpPr>
+          <p:cNvPr id="65" name="TextBox 64"/>
+          <p:cNvSpPr txBox="1"/>
+          <p:nvPr/>
+        </p:nvSpPr>
+        <p:spPr>
+          <a:xfrm>
+            <a:off x="3339552" y="2514600"/>
+            <a:ext cx="228600" cy="369332"/>
+          </a:xfrm>
+          <a:prstGeom prst="rect">
+            <a:avLst/>
+          </a:prstGeom>
+          <a:noFill/>
+        </p:spPr>
+        <p:txBody>
+          <a:bodyPr wrap="square" rtlCol="0">
+            <a:spAutoFit/>
+          </a:bodyPr>
+          <a:lstStyle/>
+          <a:p>
+            <a:r>
+              <a:rPr lang="en-US" dirty="0" smtClean="0">
+                <a:solidFill>
+                  <a:schemeClr val="accent5">
+                    <a:lumMod val="75000"/>
+                  </a:schemeClr>
+                </a:solidFill>
+              </a:rPr>
+              <a:t>*</a:t>
+            </a:r>
+            <a:endParaRPr lang="en-US" dirty="0">
+              <a:solidFill>
+                <a:schemeClr val="accent5">
+                  <a:lumMod val="75000"/>
+                </a:schemeClr>
+              </a:solidFill>
+            </a:endParaRPr>
+          </a:p>
+        </p:txBody>
+      </p:sp>
+      <p:sp>
+        <p:nvSpPr>
+          <p:cNvPr id="66" name="Rectangle 65"/>
+          <p:cNvSpPr/>
+          <p:nvPr/>
+        </p:nvSpPr>
+        <p:spPr>
+          <a:xfrm>
+            <a:off x="3644347" y="2667000"/>
+            <a:ext cx="2299253" cy="352019"/>
+          </a:xfrm>
+          <a:prstGeom prst="rect">
+            <a:avLst/>
+          </a:prstGeom>
+        </p:spPr>
+        <p:style>
+          <a:lnRef idx="2">
+            <a:schemeClr val="accent5">
+              <a:shade val="50000"/>
+            </a:schemeClr>
+          </a:lnRef>
+          <a:fillRef idx="1">
+            <a:schemeClr val="accent5"/>
+          </a:fillRef>
+          <a:effectRef idx="0">
+            <a:schemeClr val="accent5"/>
+          </a:effectRef>
+          <a:fontRef idx="minor">
+            <a:schemeClr val="lt1"/>
+          </a:fontRef>
+        </p:style>
+        <p:txBody>
+          <a:bodyPr rtlCol="0" anchor="ctr"/>
+          <a:lstStyle/>
+          <a:p>
+            <a:pPr algn="ctr"/>
+            <a:r>
+              <a:rPr lang="en-US" sz="1600" b="1" dirty="0" err="1" smtClean="0"/>
+              <a:t>TeamDetailsBundle</a:t>
+            </a:r>
+            <a:endParaRPr lang="en-SG" sz="1600" b="1" dirty="0"/>
+          </a:p>
+        </p:txBody>
+      </p:sp>
+      <p:cxnSp>
+        <p:nvCxnSpPr>
+          <p:cNvPr id="67" name="Elbow Connector 186"/>
+          <p:cNvCxnSpPr>
+            <a:stCxn id="64" idx="3"/>
+            <a:endCxn id="66" idx="1"/>
+          </p:cNvCxnSpPr>
+          <p:nvPr/>
+        </p:nvCxnSpPr>
+        <p:spPr>
+          <a:xfrm rot="16200000" flipH="1">
+            <a:off x="3403942" y="2602605"/>
+            <a:ext cx="176010" cy="304800"/>
+          </a:xfrm>
+          <a:prstGeom prst="bentConnector2">
+            <a:avLst/>
+          </a:prstGeom>
+          <a:ln>
+            <a:tailEnd type="arrow"/>
+          </a:ln>
+        </p:spPr>
+        <p:style>
+          <a:lnRef idx="2">
+            <a:schemeClr val="accent5">
+              <a:shade val="50000"/>
+            </a:schemeClr>
+          </a:lnRef>
+          <a:fillRef idx="1">
+            <a:schemeClr val="accent5"/>
+          </a:fillRef>
+          <a:effectRef idx="0">
+            <a:schemeClr val="accent5"/>
+          </a:effectRef>
+          <a:fontRef idx="minor">
+            <a:schemeClr val="lt1"/>
+          </a:fontRef>
+        </p:style>
+      </p:cxnSp>
+      <p:sp>
+        <p:nvSpPr>
+          <p:cNvPr id="89" name="TextBox 88"/>
+          <p:cNvSpPr txBox="1"/>
+          <p:nvPr/>
+        </p:nvSpPr>
+        <p:spPr>
+          <a:xfrm>
+            <a:off x="5715000" y="2057400"/>
+            <a:ext cx="228600" cy="307777"/>
+          </a:xfrm>
+          <a:prstGeom prst="rect">
+            <a:avLst/>
+          </a:prstGeom>
+          <a:noFill/>
+        </p:spPr>
+        <p:txBody>
+          <a:bodyPr wrap="square" rtlCol="0">
+            <a:spAutoFit/>
+          </a:bodyPr>
+          <a:lstStyle/>
+          <a:p>
+            <a:r>
+              <a:rPr lang="en-US" sz="1400" b="1" dirty="0" smtClean="0">
+                <a:solidFill>
+                  <a:schemeClr val="accent5">
+                    <a:lumMod val="75000"/>
+                  </a:schemeClr>
+                </a:solidFill>
+              </a:rPr>
+              <a:t>1</a:t>
+            </a:r>
+            <a:endParaRPr lang="en-US" sz="1400" b="1" dirty="0">
+              <a:solidFill>
+                <a:schemeClr val="accent5">
+                  <a:lumMod val="75000"/>
+                </a:schemeClr>
+              </a:solidFill>
+            </a:endParaRPr>
+          </a:p>
+        </p:txBody>
+      </p:sp>
+      <p:sp>
+        <p:nvSpPr>
+          <p:cNvPr id="90" name="Rectangle 89"/>
+          <p:cNvSpPr/>
+          <p:nvPr/>
+        </p:nvSpPr>
+        <p:spPr>
+          <a:xfrm>
+            <a:off x="6012974" y="1423330"/>
+            <a:ext cx="2826226" cy="329270"/>
           </a:xfrm>
           <a:prstGeom prst="rect">
             <a:avLst/>
@@ -5097,9 +5379,10 @@
           <a:bodyPr rtlCol="0" anchor="ctr"/>
           <a:lstStyle/>
           <a:p>
+            <a:pPr algn="ctr"/>
             <a:r>
               <a:rPr lang="en-US" sz="1600" b="1" dirty="0" err="1" smtClean="0"/>
-              <a:t>SubmissionAttributes</a:t>
+              <a:t>FeedbackQuestionAttributes</a:t>
             </a:r>
             <a:endParaRPr lang="en-SG" sz="1600" b="1" dirty="0"/>
           </a:p>
@@ -5107,14 +5390,14 @@
       </p:sp>
       <p:sp>
         <p:nvSpPr>
-          <p:cNvPr id="132" name="Rectangle 131"/>
+          <p:cNvPr id="91" name="Rectangle 90"/>
           <p:cNvSpPr/>
           <p:nvPr/>
         </p:nvSpPr>
         <p:spPr>
           <a:xfrm>
-            <a:off x="6825344" y="3333530"/>
-            <a:ext cx="2286000" cy="245377"/>
+            <a:off x="6019800" y="1880530"/>
+            <a:ext cx="2826226" cy="329270"/>
           </a:xfrm>
           <a:prstGeom prst="rect">
             <a:avLst/>
@@ -5122,15 +5405,15 @@
         </p:spPr>
         <p:style>
           <a:lnRef idx="2">
-            <a:schemeClr val="accent5">
+            <a:schemeClr val="accent6">
               <a:shade val="50000"/>
             </a:schemeClr>
           </a:lnRef>
           <a:fillRef idx="1">
-            <a:schemeClr val="accent5"/>
+            <a:schemeClr val="accent6"/>
           </a:fillRef>
           <a:effectRef idx="0">
-            <a:schemeClr val="accent5"/>
+            <a:schemeClr val="accent6"/>
           </a:effectRef>
           <a:fontRef idx="minor">
             <a:schemeClr val="lt1"/>
@@ -5143,22 +5426,67 @@
             <a:pPr algn="ctr"/>
             <a:r>
               <a:rPr lang="en-US" sz="1600" b="1" dirty="0" err="1" smtClean="0"/>
-              <a:t>StudentResultsSummary</a:t>
+              <a:t>FeedbackResponseAttributes</a:t>
             </a:r>
             <a:endParaRPr lang="en-SG" sz="1600" b="1" dirty="0"/>
+          </a:p>
+        </p:txBody>
+      </p:sp>
+      <p:sp>
+        <p:nvSpPr>
+          <p:cNvPr id="93" name="TextBox 92"/>
+          <p:cNvSpPr txBox="1"/>
+          <p:nvPr/>
+        </p:nvSpPr>
+        <p:spPr>
+          <a:xfrm>
+            <a:off x="5715000" y="1764268"/>
+            <a:ext cx="228600" cy="369332"/>
+          </a:xfrm>
+          <a:prstGeom prst="rect">
+            <a:avLst/>
+          </a:prstGeom>
+          <a:noFill/>
+        </p:spPr>
+        <p:txBody>
+          <a:bodyPr wrap="square" rtlCol="0">
+            <a:spAutoFit/>
+          </a:bodyPr>
+          <a:lstStyle/>
+          <a:p>
+            <a:r>
+              <a:rPr lang="en-US" dirty="0" smtClean="0">
+                <a:solidFill>
+                  <a:schemeClr val="accent5">
+                    <a:lumMod val="75000"/>
+                  </a:schemeClr>
+                </a:solidFill>
+              </a:rPr>
+              <a:t>*</a:t>
+            </a:r>
+            <a:endParaRPr lang="en-US" dirty="0">
+              <a:solidFill>
+                <a:schemeClr val="accent5">
+                  <a:lumMod val="75000"/>
+                </a:schemeClr>
+              </a:solidFill>
+            </a:endParaRPr>
           </a:p>
         </p:txBody>
       </p:sp>
       <p:cxnSp>
         <p:nvCxnSpPr>
-          <p:cNvPr id="135" name="Elbow Connector 186"/>
-          <p:cNvCxnSpPr/>
+          <p:cNvPr id="94" name="Elbow Connector 186"/>
+          <p:cNvCxnSpPr>
+            <a:stCxn id="98" idx="3"/>
+            <a:endCxn id="90" idx="1"/>
+          </p:cNvCxnSpPr>
           <p:nvPr/>
         </p:nvCxnSpPr>
         <p:spPr>
           <a:xfrm rot="16200000" flipH="1">
-            <a:off x="6394468" y="2752348"/>
-            <a:ext cx="582292" cy="248499"/>
+            <a:off x="5553787" y="1128777"/>
+            <a:ext cx="593675" cy="324699"/>
           </a:xfrm>
           <a:prstGeom prst="bentConnector2">
             <a:avLst/>
@@ -5186,14 +5514,17 @@
       </p:cxnSp>
       <p:cxnSp>
         <p:nvCxnSpPr>
-          <p:cNvPr id="136" name="Elbow Connector 186"/>
-          <p:cNvCxnSpPr/>
+          <p:cNvPr id="104" name="Elbow Connector 186"/>
+          <p:cNvCxnSpPr>
+            <a:stCxn id="98" idx="3"/>
+            <a:endCxn id="91" idx="1"/>
+          </p:cNvCxnSpPr>
           <p:nvPr/>
         </p:nvCxnSpPr>
         <p:spPr>
           <a:xfrm rot="16200000" flipH="1">
-            <a:off x="6394468" y="2427838"/>
-            <a:ext cx="582292" cy="248499"/>
+            <a:off x="5328600" y="1353964"/>
+            <a:ext cx="1050875" cy="331525"/>
           </a:xfrm>
           <a:prstGeom prst="bentConnector2">
             <a:avLst/>
@@ -5219,388 +5550,6 @@
           </a:fontRef>
         </p:style>
       </p:cxnSp>
-      <p:cxnSp>
-        <p:nvCxnSpPr>
-          <p:cNvPr id="110" name="Elbow Connector 186"/>
-          <p:cNvCxnSpPr>
-            <a:stCxn id="109" idx="3"/>
-            <a:endCxn id="111" idx="1"/>
-          </p:cNvCxnSpPr>
-          <p:nvPr/>
-        </p:nvCxnSpPr>
-        <p:spPr>
-          <a:xfrm rot="16200000" flipH="1">
-            <a:off x="6198665" y="1860535"/>
-            <a:ext cx="155770" cy="248499"/>
-          </a:xfrm>
-          <a:prstGeom prst="bentConnector2">
-            <a:avLst/>
-          </a:prstGeom>
-          <a:ln>
-            <a:tailEnd type="arrow"/>
-          </a:ln>
-        </p:spPr>
-        <p:style>
-          <a:lnRef idx="2">
-            <a:schemeClr val="accent5">
-              <a:shade val="50000"/>
-            </a:schemeClr>
-          </a:lnRef>
-          <a:fillRef idx="1">
-            <a:schemeClr val="accent5"/>
-          </a:fillRef>
-          <a:effectRef idx="0">
-            <a:schemeClr val="accent5"/>
-          </a:effectRef>
-          <a:fontRef idx="minor">
-            <a:schemeClr val="lt1"/>
-          </a:fontRef>
-        </p:style>
-      </p:cxnSp>
-      <p:sp>
-        <p:nvSpPr>
-          <p:cNvPr id="111" name="Rectangle 110"/>
-          <p:cNvSpPr/>
-          <p:nvPr/>
-        </p:nvSpPr>
-        <p:spPr>
-          <a:xfrm>
-            <a:off x="6400800" y="1881785"/>
-            <a:ext cx="2057400" cy="361770"/>
-          </a:xfrm>
-          <a:prstGeom prst="rect">
-            <a:avLst/>
-          </a:prstGeom>
-        </p:spPr>
-        <p:style>
-          <a:lnRef idx="2">
-            <a:schemeClr val="accent5">
-              <a:shade val="50000"/>
-            </a:schemeClr>
-          </a:lnRef>
-          <a:fillRef idx="1">
-            <a:schemeClr val="accent5"/>
-          </a:fillRef>
-          <a:effectRef idx="0">
-            <a:schemeClr val="accent5"/>
-          </a:effectRef>
-          <a:fontRef idx="minor">
-            <a:schemeClr val="lt1"/>
-          </a:fontRef>
-        </p:style>
-        <p:txBody>
-          <a:bodyPr rtlCol="0" anchor="ctr"/>
-          <a:lstStyle/>
-          <a:p>
-            <a:pPr algn="ctr"/>
-            <a:r>
-              <a:rPr lang="en-US" sz="1600" b="1" dirty="0" err="1" smtClean="0"/>
-              <a:t>StudentResultsBundle</a:t>
-            </a:r>
-            <a:endParaRPr lang="en-SG" sz="1600" b="1" dirty="0"/>
-          </a:p>
-        </p:txBody>
-      </p:sp>
-      <p:sp>
-        <p:nvSpPr>
-          <p:cNvPr id="117" name="Flowchart: Decision 116"/>
-          <p:cNvSpPr/>
-          <p:nvPr/>
-        </p:nvSpPr>
-        <p:spPr>
-          <a:xfrm rot="5400000">
-            <a:off x="6491785" y="2236434"/>
-            <a:ext cx="152400" cy="152400"/>
-          </a:xfrm>
-          <a:prstGeom prst="flowChartDecision">
-            <a:avLst/>
-          </a:prstGeom>
-          <a:solidFill>
-            <a:schemeClr val="bg1"/>
-          </a:solidFill>
-        </p:spPr>
-        <p:style>
-          <a:lnRef idx="2">
-            <a:schemeClr val="accent5">
-              <a:shade val="50000"/>
-            </a:schemeClr>
-          </a:lnRef>
-          <a:fillRef idx="1">
-            <a:schemeClr val="accent5"/>
-          </a:fillRef>
-          <a:effectRef idx="0">
-            <a:schemeClr val="accent5"/>
-          </a:effectRef>
-          <a:fontRef idx="minor">
-            <a:schemeClr val="lt1"/>
-          </a:fontRef>
-        </p:style>
-        <p:txBody>
-          <a:bodyPr rtlCol="0" anchor="ctr"/>
-          <a:lstStyle/>
-          <a:p>
-            <a:pPr algn="ctr"/>
-            <a:endParaRPr lang="en-US"/>
-          </a:p>
-        </p:txBody>
-      </p:sp>
-      <p:cxnSp>
-        <p:nvCxnSpPr>
-          <p:cNvPr id="138" name="Elbow Connector 186"/>
-          <p:cNvCxnSpPr>
-            <a:stCxn id="117" idx="3"/>
-            <a:endCxn id="132" idx="1"/>
-          </p:cNvCxnSpPr>
-          <p:nvPr/>
-        </p:nvCxnSpPr>
-        <p:spPr>
-          <a:xfrm rot="16200000" flipH="1">
-            <a:off x="6162972" y="2793846"/>
-            <a:ext cx="1067385" cy="257359"/>
-          </a:xfrm>
-          <a:prstGeom prst="bentConnector2">
-            <a:avLst/>
-          </a:prstGeom>
-          <a:ln>
-            <a:tailEnd type="arrow"/>
-          </a:ln>
-        </p:spPr>
-        <p:style>
-          <a:lnRef idx="2">
-            <a:schemeClr val="accent5">
-              <a:shade val="50000"/>
-            </a:schemeClr>
-          </a:lnRef>
-          <a:fillRef idx="1">
-            <a:schemeClr val="accent5"/>
-          </a:fillRef>
-          <a:effectRef idx="0">
-            <a:schemeClr val="accent5"/>
-          </a:effectRef>
-          <a:fontRef idx="minor">
-            <a:schemeClr val="lt1"/>
-          </a:fontRef>
-        </p:style>
-      </p:cxnSp>
-      <p:sp>
-        <p:nvSpPr>
-          <p:cNvPr id="141" name="TextBox 140"/>
-          <p:cNvSpPr txBox="1"/>
-          <p:nvPr/>
-        </p:nvSpPr>
-        <p:spPr>
-          <a:xfrm>
-            <a:off x="6597594" y="3164072"/>
-            <a:ext cx="228600" cy="307777"/>
-          </a:xfrm>
-          <a:prstGeom prst="rect">
-            <a:avLst/>
-          </a:prstGeom>
-          <a:noFill/>
-        </p:spPr>
-        <p:txBody>
-          <a:bodyPr wrap="square" rtlCol="0">
-            <a:spAutoFit/>
-          </a:bodyPr>
-          <a:lstStyle/>
-          <a:p>
-            <a:r>
-              <a:rPr lang="en-US" sz="1400" b="1" dirty="0" smtClean="0">
-                <a:solidFill>
-                  <a:schemeClr val="accent5">
-                    <a:lumMod val="75000"/>
-                  </a:schemeClr>
-                </a:solidFill>
-              </a:rPr>
-              <a:t>1</a:t>
-            </a:r>
-            <a:endParaRPr lang="en-US" sz="1400" b="1" dirty="0">
-              <a:solidFill>
-                <a:schemeClr val="accent5">
-                  <a:lumMod val="75000"/>
-                </a:schemeClr>
-              </a:solidFill>
-            </a:endParaRPr>
-          </a:p>
-        </p:txBody>
-      </p:sp>
-      <p:sp>
-        <p:nvSpPr>
-          <p:cNvPr id="144" name="TextBox 143"/>
-          <p:cNvSpPr txBox="1"/>
-          <p:nvPr/>
-        </p:nvSpPr>
-        <p:spPr>
-          <a:xfrm>
-            <a:off x="6593422" y="2593502"/>
-            <a:ext cx="228600" cy="369332"/>
-          </a:xfrm>
-          <a:prstGeom prst="rect">
-            <a:avLst/>
-          </a:prstGeom>
-          <a:noFill/>
-        </p:spPr>
-        <p:txBody>
-          <a:bodyPr wrap="square" rtlCol="0">
-            <a:spAutoFit/>
-          </a:bodyPr>
-          <a:lstStyle/>
-          <a:p>
-            <a:r>
-              <a:rPr lang="en-US" dirty="0" smtClean="0">
-                <a:solidFill>
-                  <a:schemeClr val="accent5">
-                    <a:lumMod val="75000"/>
-                  </a:schemeClr>
-                </a:solidFill>
-              </a:rPr>
-              <a:t>*</a:t>
-            </a:r>
-            <a:endParaRPr lang="en-US" dirty="0">
-              <a:solidFill>
-                <a:schemeClr val="accent5">
-                  <a:lumMod val="75000"/>
-                </a:schemeClr>
-              </a:solidFill>
-            </a:endParaRPr>
-          </a:p>
-        </p:txBody>
-      </p:sp>
-      <p:sp>
-        <p:nvSpPr>
-          <p:cNvPr id="61" name="Rectangle 60"/>
-          <p:cNvSpPr/>
-          <p:nvPr/>
-        </p:nvSpPr>
-        <p:spPr>
-          <a:xfrm>
-            <a:off x="3352798" y="2161474"/>
-            <a:ext cx="2299249" cy="448928"/>
-          </a:xfrm>
-          <a:prstGeom prst="rect">
-            <a:avLst/>
-          </a:prstGeom>
-        </p:spPr>
-        <p:style>
-          <a:lnRef idx="2">
-            <a:schemeClr val="accent5">
-              <a:shade val="50000"/>
-            </a:schemeClr>
-          </a:lnRef>
-          <a:fillRef idx="1">
-            <a:schemeClr val="accent5"/>
-          </a:fillRef>
-          <a:effectRef idx="0">
-            <a:schemeClr val="accent5"/>
-          </a:effectRef>
-          <a:fontRef idx="minor">
-            <a:schemeClr val="lt1"/>
-          </a:fontRef>
-        </p:style>
-        <p:txBody>
-          <a:bodyPr rtlCol="0" anchor="ctr"/>
-          <a:lstStyle/>
-          <a:p>
-            <a:pPr algn="ctr"/>
-            <a:r>
-              <a:rPr lang="en-US" sz="1600" b="1" dirty="0" err="1" smtClean="0"/>
-              <a:t>FeedbackSession</a:t>
-            </a:r>
-            <a:r>
-              <a:rPr lang="en-US" sz="1600" b="1" dirty="0" smtClean="0"/>
-              <a:t/>
-            </a:r>
-            <a:br>
-              <a:rPr lang="en-US" sz="1600" b="1" dirty="0" smtClean="0"/>
-            </a:br>
-            <a:r>
-              <a:rPr lang="en-US" sz="1600" b="1" dirty="0" err="1" smtClean="0"/>
-              <a:t>DetailsBundle</a:t>
-            </a:r>
-            <a:endParaRPr lang="en-SG" sz="1600" b="1" dirty="0"/>
-          </a:p>
-        </p:txBody>
-      </p:sp>
-      <p:cxnSp>
-        <p:nvCxnSpPr>
-          <p:cNvPr id="62" name="Elbow Connector 186"/>
-          <p:cNvCxnSpPr>
-            <a:stCxn id="275" idx="3"/>
-            <a:endCxn id="61" idx="1"/>
-          </p:cNvCxnSpPr>
-          <p:nvPr/>
-        </p:nvCxnSpPr>
-        <p:spPr>
-          <a:xfrm rot="16200000" flipH="1">
-            <a:off x="2426527" y="1459667"/>
-            <a:ext cx="1395338" cy="457203"/>
-          </a:xfrm>
-          <a:prstGeom prst="bentConnector2">
-            <a:avLst/>
-          </a:prstGeom>
-          <a:ln>
-            <a:tailEnd type="arrow"/>
-          </a:ln>
-        </p:spPr>
-        <p:style>
-          <a:lnRef idx="2">
-            <a:schemeClr val="accent5">
-              <a:shade val="50000"/>
-            </a:schemeClr>
-          </a:lnRef>
-          <a:fillRef idx="1">
-            <a:schemeClr val="accent5"/>
-          </a:fillRef>
-          <a:effectRef idx="0">
-            <a:schemeClr val="accent5"/>
-          </a:effectRef>
-          <a:fontRef idx="minor">
-            <a:schemeClr val="lt1"/>
-          </a:fontRef>
-        </p:style>
-      </p:cxnSp>
-      <p:sp>
-        <p:nvSpPr>
-          <p:cNvPr id="63" name="TextBox 62"/>
-          <p:cNvSpPr txBox="1"/>
-          <p:nvPr/>
-        </p:nvSpPr>
-        <p:spPr>
-          <a:xfrm>
-            <a:off x="3124205" y="2145268"/>
-            <a:ext cx="228600" cy="369332"/>
-          </a:xfrm>
-          <a:prstGeom prst="rect">
-            <a:avLst/>
-          </a:prstGeom>
-          <a:noFill/>
-        </p:spPr>
-        <p:txBody>
-          <a:bodyPr wrap="square" rtlCol="0">
-            <a:spAutoFit/>
-          </a:bodyPr>
-          <a:lstStyle/>
-          <a:p>
-            <a:r>
-              <a:rPr lang="en-US" dirty="0" smtClean="0">
-                <a:solidFill>
-                  <a:schemeClr val="accent5">
-                    <a:lumMod val="75000"/>
-                  </a:schemeClr>
-                </a:solidFill>
-              </a:rPr>
-              <a:t>*</a:t>
-            </a:r>
-            <a:endParaRPr lang="en-US" dirty="0">
-              <a:solidFill>
-                <a:schemeClr val="accent5">
-                  <a:lumMod val="75000"/>
-                </a:schemeClr>
-              </a:solidFill>
-            </a:endParaRPr>
-          </a:p>
-        </p:txBody>
-      </p:sp>
     </p:spTree>
     <p:extLst>
       <p:ext uri="{BB962C8B-B14F-4D97-AF65-F5344CB8AC3E}">
